--- a/Poster.pptx
+++ b/Poster.pptx
@@ -175,29 +175,6 @@
 </pc:chgInfo>
 </file>
 
-<file path=ppt/comments/comment1.xml><?xml version="1.0" encoding="utf-8"?>
-<p:cmLst xmlns:a="http://schemas.openxmlformats.org/drawingml/2006/main" xmlns:r="http://schemas.openxmlformats.org/officeDocument/2006/relationships" xmlns:p="http://schemas.openxmlformats.org/presentationml/2006/main">
-  <p:cm authorId="1" dt="2024-05-18T16:10:11.765" idx="1">
-    <p:pos x="10" y="10"/>
-    <p:text/>
-    <p:extLst>
-      <p:ext uri="{C676402C-5697-4E1C-873F-D02D1690AC5C}">
-        <p15:threadingInfo xmlns:p15="http://schemas.microsoft.com/office/powerpoint/2012/main" timeZoneBias="-420"/>
-      </p:ext>
-    </p:extLst>
-  </p:cm>
-  <p:cm authorId="1" dt="2024-05-18T16:26:45.762" idx="2">
-    <p:pos x="106" y="106"/>
-    <p:text/>
-    <p:extLst>
-      <p:ext uri="{C676402C-5697-4E1C-873F-D02D1690AC5C}">
-        <p15:threadingInfo xmlns:p15="http://schemas.microsoft.com/office/powerpoint/2012/main" timeZoneBias="-420"/>
-      </p:ext>
-    </p:extLst>
-  </p:cm>
-</p:cmLst>
-</file>
-
 <file path=ppt/notesMasters/notesMaster1.xml><?xml version="1.0" encoding="utf-8"?>
 <p:notesMaster xmlns:a="http://schemas.openxmlformats.org/drawingml/2006/main" xmlns:r="http://schemas.openxmlformats.org/officeDocument/2006/relationships" xmlns:p="http://schemas.openxmlformats.org/presentationml/2006/main">
   <p:cSld>
@@ -1913,14 +1890,21 @@
                 <a:latin typeface="Times New Roman" panose="02020603050405020304" pitchFamily="18" charset="0"/>
                 <a:cs typeface="Times New Roman" panose="02020603050405020304" pitchFamily="18" charset="0"/>
               </a:rPr>
-              <a:t>XÂY DỰNG WEB BÁN </a:t>
+              <a:t>XÂY DỰNG </a:t>
             </a:r>
             <a:r>
               <a:rPr lang="en-US" sz="6600" spc="-11" dirty="0" smtClean="0">
                 <a:latin typeface="Times New Roman" panose="02020603050405020304" pitchFamily="18" charset="0"/>
                 <a:cs typeface="Times New Roman" panose="02020603050405020304" pitchFamily="18" charset="0"/>
               </a:rPr>
-              <a:t>BÁNH CHO CỬA HÀNG DOLA - BAKERY</a:t>
+              <a:t>WEBSITE </a:t>
+            </a:r>
+            <a:r>
+              <a:rPr lang="en-US" sz="6600" spc="-11" dirty="0" smtClean="0">
+                <a:latin typeface="Times New Roman" panose="02020603050405020304" pitchFamily="18" charset="0"/>
+                <a:cs typeface="Times New Roman" panose="02020603050405020304" pitchFamily="18" charset="0"/>
+              </a:rPr>
+              <a:t>BÁN BÁNH CHO CỬA HÀNG DOLA - BAKERY</a:t>
             </a:r>
             <a:endParaRPr lang="en-US" sz="6600" spc="-11" dirty="0">
               <a:latin typeface="Times New Roman" panose="02020603050405020304" pitchFamily="18" charset="0"/>
@@ -2338,18 +2322,39 @@
               <a:t>dựng</a:t>
             </a:r>
             <a:r>
+              <a:rPr lang="en-US" sz="5647" smtClean="0">
+                <a:latin typeface="Times New Roman" panose="02020603050405020304" pitchFamily="18" charset="0"/>
+                <a:cs typeface="Times New Roman" panose="02020603050405020304" pitchFamily="18" charset="0"/>
+              </a:rPr>
+              <a:t> </a:t>
+            </a:r>
+            <a:r>
+              <a:rPr lang="en-US" sz="5647" smtClean="0">
+                <a:latin typeface="Times New Roman" panose="02020603050405020304" pitchFamily="18" charset="0"/>
+                <a:cs typeface="Times New Roman" panose="02020603050405020304" pitchFamily="18" charset="0"/>
+              </a:rPr>
+              <a:t>website </a:t>
+            </a:r>
+            <a:r>
+              <a:rPr lang="en-US" sz="5647" dirty="0" err="1" smtClean="0">
+                <a:latin typeface="Times New Roman" panose="02020603050405020304" pitchFamily="18" charset="0"/>
+                <a:cs typeface="Times New Roman" panose="02020603050405020304" pitchFamily="18" charset="0"/>
+              </a:rPr>
+              <a:t>bánh</a:t>
+            </a:r>
+            <a:r>
               <a:rPr lang="en-US" sz="5647" dirty="0" smtClean="0">
                 <a:latin typeface="Times New Roman" panose="02020603050405020304" pitchFamily="18" charset="0"/>
                 <a:cs typeface="Times New Roman" panose="02020603050405020304" pitchFamily="18" charset="0"/>
               </a:rPr>
-              <a:t> web </a:t>
+              <a:t> </a:t>
             </a:r>
             <a:r>
               <a:rPr lang="en-US" sz="5647" dirty="0" err="1" smtClean="0">
                 <a:latin typeface="Times New Roman" panose="02020603050405020304" pitchFamily="18" charset="0"/>
                 <a:cs typeface="Times New Roman" panose="02020603050405020304" pitchFamily="18" charset="0"/>
               </a:rPr>
-              <a:t>bánh</a:t>
+              <a:t>giúp</a:t>
             </a:r>
             <a:r>
               <a:rPr lang="en-US" sz="5647" dirty="0" smtClean="0">
@@ -2363,7 +2368,7 @@
                 <a:latin typeface="Times New Roman" panose="02020603050405020304" pitchFamily="18" charset="0"/>
                 <a:cs typeface="Times New Roman" panose="02020603050405020304" pitchFamily="18" charset="0"/>
               </a:rPr>
-              <a:t>giúp</a:t>
+              <a:t>mọi</a:t>
             </a:r>
             <a:r>
               <a:rPr lang="en-US" sz="5647" dirty="0" smtClean="0">
@@ -2377,7 +2382,7 @@
                 <a:latin typeface="Times New Roman" panose="02020603050405020304" pitchFamily="18" charset="0"/>
                 <a:cs typeface="Times New Roman" panose="02020603050405020304" pitchFamily="18" charset="0"/>
               </a:rPr>
-              <a:t>mọi</a:t>
+              <a:t>người</a:t>
             </a:r>
             <a:r>
               <a:rPr lang="en-US" sz="5647" dirty="0" smtClean="0">
@@ -2391,7 +2396,7 @@
                 <a:latin typeface="Times New Roman" panose="02020603050405020304" pitchFamily="18" charset="0"/>
                 <a:cs typeface="Times New Roman" panose="02020603050405020304" pitchFamily="18" charset="0"/>
               </a:rPr>
-              <a:t>người</a:t>
+              <a:t>có</a:t>
             </a:r>
             <a:r>
               <a:rPr lang="en-US" sz="5647" dirty="0" smtClean="0">
@@ -2405,7 +2410,7 @@
                 <a:latin typeface="Times New Roman" panose="02020603050405020304" pitchFamily="18" charset="0"/>
                 <a:cs typeface="Times New Roman" panose="02020603050405020304" pitchFamily="18" charset="0"/>
               </a:rPr>
-              <a:t>có</a:t>
+              <a:t>thể</a:t>
             </a:r>
             <a:r>
               <a:rPr lang="en-US" sz="5647" dirty="0" smtClean="0">
@@ -2419,7 +2424,7 @@
                 <a:latin typeface="Times New Roman" panose="02020603050405020304" pitchFamily="18" charset="0"/>
                 <a:cs typeface="Times New Roman" panose="02020603050405020304" pitchFamily="18" charset="0"/>
               </a:rPr>
-              <a:t>thể</a:t>
+              <a:t>mua</a:t>
             </a:r>
             <a:r>
               <a:rPr lang="en-US" sz="5647" dirty="0" smtClean="0">
@@ -2433,7 +2438,21 @@
                 <a:latin typeface="Times New Roman" panose="02020603050405020304" pitchFamily="18" charset="0"/>
                 <a:cs typeface="Times New Roman" panose="02020603050405020304" pitchFamily="18" charset="0"/>
               </a:rPr>
-              <a:t>mua</a:t>
+              <a:t>hàng</a:t>
+            </a:r>
+            <a:r>
+              <a:rPr lang="en-US" sz="5647" dirty="0">
+                <a:latin typeface="Times New Roman" panose="02020603050405020304" pitchFamily="18" charset="0"/>
+                <a:cs typeface="Times New Roman" panose="02020603050405020304" pitchFamily="18" charset="0"/>
+              </a:rPr>
+              <a:t> </a:t>
+            </a:r>
+            <a:r>
+              <a:rPr lang="en-US" sz="5647" dirty="0" err="1" smtClean="0">
+                <a:latin typeface="Times New Roman" panose="02020603050405020304" pitchFamily="18" charset="0"/>
+                <a:cs typeface="Times New Roman" panose="02020603050405020304" pitchFamily="18" charset="0"/>
+              </a:rPr>
+              <a:t>từ</a:t>
             </a:r>
             <a:r>
               <a:rPr lang="en-US" sz="5647" dirty="0" smtClean="0">
@@ -2447,10 +2466,10 @@
                 <a:latin typeface="Times New Roman" panose="02020603050405020304" pitchFamily="18" charset="0"/>
                 <a:cs typeface="Times New Roman" panose="02020603050405020304" pitchFamily="18" charset="0"/>
               </a:rPr>
-              <a:t>hàng</a:t>
-            </a:r>
-            <a:r>
-              <a:rPr lang="en-US" sz="5647" dirty="0">
+              <a:t>nhiều</a:t>
+            </a:r>
+            <a:r>
+              <a:rPr lang="en-US" sz="5647" dirty="0" smtClean="0">
                 <a:latin typeface="Times New Roman" panose="02020603050405020304" pitchFamily="18" charset="0"/>
                 <a:cs typeface="Times New Roman" panose="02020603050405020304" pitchFamily="18" charset="0"/>
               </a:rPr>
@@ -2461,7 +2480,7 @@
                 <a:latin typeface="Times New Roman" panose="02020603050405020304" pitchFamily="18" charset="0"/>
                 <a:cs typeface="Times New Roman" panose="02020603050405020304" pitchFamily="18" charset="0"/>
               </a:rPr>
-              <a:t>từ</a:t>
+              <a:t>nơi</a:t>
             </a:r>
             <a:r>
               <a:rPr lang="en-US" sz="5647" dirty="0" smtClean="0">
@@ -2475,7 +2494,7 @@
                 <a:latin typeface="Times New Roman" panose="02020603050405020304" pitchFamily="18" charset="0"/>
                 <a:cs typeface="Times New Roman" panose="02020603050405020304" pitchFamily="18" charset="0"/>
               </a:rPr>
-              <a:t>nhiều</a:t>
+              <a:t>trên</a:t>
             </a:r>
             <a:r>
               <a:rPr lang="en-US" sz="5647" dirty="0" smtClean="0">
@@ -2489,7 +2508,7 @@
                 <a:latin typeface="Times New Roman" panose="02020603050405020304" pitchFamily="18" charset="0"/>
                 <a:cs typeface="Times New Roman" panose="02020603050405020304" pitchFamily="18" charset="0"/>
               </a:rPr>
-              <a:t>nơi</a:t>
+              <a:t>đất</a:t>
             </a:r>
             <a:r>
               <a:rPr lang="en-US" sz="5647" dirty="0" smtClean="0">
@@ -2503,7 +2522,7 @@
                 <a:latin typeface="Times New Roman" panose="02020603050405020304" pitchFamily="18" charset="0"/>
                 <a:cs typeface="Times New Roman" panose="02020603050405020304" pitchFamily="18" charset="0"/>
               </a:rPr>
-              <a:t>trên</a:t>
+              <a:t>nước</a:t>
             </a:r>
             <a:r>
               <a:rPr lang="en-US" sz="5647" dirty="0" smtClean="0">
@@ -2517,49 +2536,14 @@
                 <a:latin typeface="Times New Roman" panose="02020603050405020304" pitchFamily="18" charset="0"/>
                 <a:cs typeface="Times New Roman" panose="02020603050405020304" pitchFamily="18" charset="0"/>
               </a:rPr>
-              <a:t>đất</a:t>
+              <a:t>Việt</a:t>
             </a:r>
             <a:r>
               <a:rPr lang="en-US" sz="5647" dirty="0" smtClean="0">
                 <a:latin typeface="Times New Roman" panose="02020603050405020304" pitchFamily="18" charset="0"/>
                 <a:cs typeface="Times New Roman" panose="02020603050405020304" pitchFamily="18" charset="0"/>
               </a:rPr>
-              <a:t> </a:t>
-            </a:r>
-            <a:r>
-              <a:rPr lang="en-US" sz="5647" dirty="0" err="1" smtClean="0">
-                <a:latin typeface="Times New Roman" panose="02020603050405020304" pitchFamily="18" charset="0"/>
-                <a:cs typeface="Times New Roman" panose="02020603050405020304" pitchFamily="18" charset="0"/>
-              </a:rPr>
-              <a:t>nước</a:t>
-            </a:r>
-            <a:r>
-              <a:rPr lang="en-US" sz="5647" dirty="0" smtClean="0">
-                <a:latin typeface="Times New Roman" panose="02020603050405020304" pitchFamily="18" charset="0"/>
-                <a:cs typeface="Times New Roman" panose="02020603050405020304" pitchFamily="18" charset="0"/>
-              </a:rPr>
-              <a:t> </a:t>
-            </a:r>
-            <a:r>
-              <a:rPr lang="en-US" sz="5647" dirty="0" err="1" smtClean="0">
-                <a:latin typeface="Times New Roman" panose="02020603050405020304" pitchFamily="18" charset="0"/>
-                <a:cs typeface="Times New Roman" panose="02020603050405020304" pitchFamily="18" charset="0"/>
-              </a:rPr>
-              <a:t>Việt</a:t>
-            </a:r>
-            <a:r>
-              <a:rPr lang="en-US" sz="5647" dirty="0" smtClean="0">
-                <a:latin typeface="Times New Roman" panose="02020603050405020304" pitchFamily="18" charset="0"/>
-                <a:cs typeface="Times New Roman" panose="02020603050405020304" pitchFamily="18" charset="0"/>
-              </a:rPr>
-              <a:t> </a:t>
-            </a:r>
-            <a:r>
-              <a:rPr lang="en-US" sz="5647" dirty="0" smtClean="0">
-                <a:latin typeface="Times New Roman" panose="02020603050405020304" pitchFamily="18" charset="0"/>
-                <a:cs typeface="Times New Roman" panose="02020603050405020304" pitchFamily="18" charset="0"/>
-              </a:rPr>
-              <a:t>Nam</a:t>
+              <a:t> Nam</a:t>
             </a:r>
             <a:endParaRPr sz="5647" dirty="0">
               <a:latin typeface="Times New Roman" panose="02020603050405020304" pitchFamily="18" charset="0"/>
@@ -3514,14 +3498,7 @@
                 <a:latin typeface="Times New Roman" panose="02020603050405020304" pitchFamily="18" charset="0"/>
                 <a:cs typeface="Times New Roman" panose="02020603050405020304" pitchFamily="18" charset="0"/>
               </a:rPr>
-              <a:t> </a:t>
-            </a:r>
-            <a:r>
-              <a:rPr lang="en-US" sz="4000" b="1" dirty="0" smtClean="0">
-                <a:latin typeface="Times New Roman" panose="02020603050405020304" pitchFamily="18" charset="0"/>
-                <a:cs typeface="Times New Roman" panose="02020603050405020304" pitchFamily="18" charset="0"/>
-              </a:rPr>
-              <a:t>website </a:t>
+              <a:t> website </a:t>
             </a:r>
             <a:r>
               <a:rPr lang="en-US" sz="4000" b="1" dirty="0" err="1" smtClean="0">
@@ -4231,26 +4208,26 @@
       </p:pic>
       <p:pic>
         <p:nvPicPr>
-          <p:cNvPr id="43" name="image59.png"/>
-          <p:cNvPicPr/>
+          <p:cNvPr id="6" name="Picture 5"/>
+          <p:cNvPicPr>
+            <a:picLocks noChangeAspect="1"/>
+          </p:cNvPicPr>
           <p:nvPr/>
         </p:nvPicPr>
         <p:blipFill>
           <a:blip r:embed="rId13"/>
-          <a:srcRect/>
           <a:stretch>
             <a:fillRect/>
           </a:stretch>
         </p:blipFill>
         <p:spPr>
           <a:xfrm>
-            <a:off x="13004630" y="20676535"/>
-            <a:ext cx="15240001" cy="15635199"/>
+            <a:off x="13639975" y="20958061"/>
+            <a:ext cx="13390549" cy="15723567"/>
           </a:xfrm>
           <a:prstGeom prst="rect">
             <a:avLst/>
           </a:prstGeom>
-          <a:ln/>
         </p:spPr>
       </p:pic>
     </p:spTree>
